--- a/Slide Deck SP2021.pptx
+++ b/Slide Deck SP2021.pptx
@@ -268,7 +268,7 @@
           <a:p>
             <a:fld id="{AFBF3B61-8048-4F74-BF24-5C7FCE6C0D55}" type="datetimeFigureOut">
               <a:rPr lang="en-US" smtClean="0"/>
-              <a:t>2/23/2021</a:t>
+              <a:t>3/23/2021</a:t>
             </a:fld>
             <a:endParaRPr lang="en-US"/>
           </a:p>
@@ -466,7 +466,7 @@
           <a:p>
             <a:fld id="{AFBF3B61-8048-4F74-BF24-5C7FCE6C0D55}" type="datetimeFigureOut">
               <a:rPr lang="en-US" smtClean="0"/>
-              <a:t>2/23/2021</a:t>
+              <a:t>3/23/2021</a:t>
             </a:fld>
             <a:endParaRPr lang="en-US"/>
           </a:p>
@@ -674,7 +674,7 @@
           <a:p>
             <a:fld id="{AFBF3B61-8048-4F74-BF24-5C7FCE6C0D55}" type="datetimeFigureOut">
               <a:rPr lang="en-US" smtClean="0"/>
-              <a:t>2/23/2021</a:t>
+              <a:t>3/23/2021</a:t>
             </a:fld>
             <a:endParaRPr lang="en-US"/>
           </a:p>
@@ -872,7 +872,7 @@
           <a:p>
             <a:fld id="{AFBF3B61-8048-4F74-BF24-5C7FCE6C0D55}" type="datetimeFigureOut">
               <a:rPr lang="en-US" smtClean="0"/>
-              <a:t>2/23/2021</a:t>
+              <a:t>3/23/2021</a:t>
             </a:fld>
             <a:endParaRPr lang="en-US"/>
           </a:p>
@@ -1147,7 +1147,7 @@
           <a:p>
             <a:fld id="{AFBF3B61-8048-4F74-BF24-5C7FCE6C0D55}" type="datetimeFigureOut">
               <a:rPr lang="en-US" smtClean="0"/>
-              <a:t>2/23/2021</a:t>
+              <a:t>3/23/2021</a:t>
             </a:fld>
             <a:endParaRPr lang="en-US"/>
           </a:p>
@@ -1412,7 +1412,7 @@
           <a:p>
             <a:fld id="{AFBF3B61-8048-4F74-BF24-5C7FCE6C0D55}" type="datetimeFigureOut">
               <a:rPr lang="en-US" smtClean="0"/>
-              <a:t>2/23/2021</a:t>
+              <a:t>3/23/2021</a:t>
             </a:fld>
             <a:endParaRPr lang="en-US"/>
           </a:p>
@@ -1824,7 +1824,7 @@
           <a:p>
             <a:fld id="{AFBF3B61-8048-4F74-BF24-5C7FCE6C0D55}" type="datetimeFigureOut">
               <a:rPr lang="en-US" smtClean="0"/>
-              <a:t>2/23/2021</a:t>
+              <a:t>3/23/2021</a:t>
             </a:fld>
             <a:endParaRPr lang="en-US"/>
           </a:p>
@@ -1965,7 +1965,7 @@
           <a:p>
             <a:fld id="{AFBF3B61-8048-4F74-BF24-5C7FCE6C0D55}" type="datetimeFigureOut">
               <a:rPr lang="en-US" smtClean="0"/>
-              <a:t>2/23/2021</a:t>
+              <a:t>3/23/2021</a:t>
             </a:fld>
             <a:endParaRPr lang="en-US"/>
           </a:p>
@@ -2078,7 +2078,7 @@
           <a:p>
             <a:fld id="{AFBF3B61-8048-4F74-BF24-5C7FCE6C0D55}" type="datetimeFigureOut">
               <a:rPr lang="en-US" smtClean="0"/>
-              <a:t>2/23/2021</a:t>
+              <a:t>3/23/2021</a:t>
             </a:fld>
             <a:endParaRPr lang="en-US"/>
           </a:p>
@@ -2389,7 +2389,7 @@
           <a:p>
             <a:fld id="{AFBF3B61-8048-4F74-BF24-5C7FCE6C0D55}" type="datetimeFigureOut">
               <a:rPr lang="en-US" smtClean="0"/>
-              <a:t>2/23/2021</a:t>
+              <a:t>3/23/2021</a:t>
             </a:fld>
             <a:endParaRPr lang="en-US"/>
           </a:p>
@@ -2677,7 +2677,7 @@
           <a:p>
             <a:fld id="{AFBF3B61-8048-4F74-BF24-5C7FCE6C0D55}" type="datetimeFigureOut">
               <a:rPr lang="en-US" smtClean="0"/>
-              <a:t>2/23/2021</a:t>
+              <a:t>3/23/2021</a:t>
             </a:fld>
             <a:endParaRPr lang="en-US"/>
           </a:p>
@@ -2918,7 +2918,7 @@
           <a:p>
             <a:fld id="{AFBF3B61-8048-4F74-BF24-5C7FCE6C0D55}" type="datetimeFigureOut">
               <a:rPr lang="en-US" smtClean="0"/>
-              <a:t>2/23/2021</a:t>
+              <a:t>3/23/2021</a:t>
             </a:fld>
             <a:endParaRPr lang="en-US"/>
           </a:p>
@@ -5526,7 +5526,7 @@
                   <a:srgbClr val="FFFFFF"/>
                 </a:solidFill>
               </a:rPr>
-              <a:t>Our application offers an in-app rubric parser that allows user to import MS-Excel based rubric(s) and modify them.</a:t>
+              <a:t>Our application offers a rubric editor and creator for grading rubrics and allows uploading of properly formatted rubric documents in the form of Excel spreadsheets.</a:t>
             </a:r>
           </a:p>
           <a:p>
@@ -5536,15 +5536,8 @@
                   <a:srgbClr val="FFFFFF"/>
                 </a:solidFill>
               </a:rPr>
-              <a:t>Integration with UC Canvas using its API to import relevant student data directly.</a:t>
-            </a:r>
-          </a:p>
-          <a:p>
-            <a:endParaRPr lang="en-US" dirty="0">
-              <a:solidFill>
-                <a:srgbClr val="FFFFFF"/>
-              </a:solidFill>
-            </a:endParaRPr>
+              <a:t>Interacts with Canvas and Catalyst provided data, to streamline the adding of student information.</a:t>
+            </a:r>
           </a:p>
         </p:txBody>
       </p:sp>
